--- a/ts_logo.pptx
+++ b/ts_logo.pptx
@@ -197,7 +197,7 @@
           <a:p>
             <a:fld id="{88FC98FB-DEBE-2C4F-91F2-EEF805F1E577}" type="datetimeFigureOut">
               <a:rPr lang="en-US" smtClean="0"/>
-              <a:t>10/11/17</a:t>
+              <a:t>10/13/17</a:t>
             </a:fld>
             <a:endParaRPr lang="en-US"/>
           </a:p>
@@ -680,7 +680,7 @@
           <a:p>
             <a:fld id="{8E81F3DA-7D73-E948-AEF0-DA71157673E0}" type="datetimeFigureOut">
               <a:rPr lang="en-US" smtClean="0"/>
-              <a:t>10/11/17</a:t>
+              <a:t>10/13/17</a:t>
             </a:fld>
             <a:endParaRPr lang="en-US"/>
           </a:p>
@@ -850,7 +850,7 @@
           <a:p>
             <a:fld id="{8E81F3DA-7D73-E948-AEF0-DA71157673E0}" type="datetimeFigureOut">
               <a:rPr lang="en-US" smtClean="0"/>
-              <a:t>10/11/17</a:t>
+              <a:t>10/13/17</a:t>
             </a:fld>
             <a:endParaRPr lang="en-US"/>
           </a:p>
@@ -1030,7 +1030,7 @@
           <a:p>
             <a:fld id="{8E81F3DA-7D73-E948-AEF0-DA71157673E0}" type="datetimeFigureOut">
               <a:rPr lang="en-US" smtClean="0"/>
-              <a:t>10/11/17</a:t>
+              <a:t>10/13/17</a:t>
             </a:fld>
             <a:endParaRPr lang="en-US"/>
           </a:p>
@@ -1200,7 +1200,7 @@
           <a:p>
             <a:fld id="{8E81F3DA-7D73-E948-AEF0-DA71157673E0}" type="datetimeFigureOut">
               <a:rPr lang="en-US" smtClean="0"/>
-              <a:t>10/11/17</a:t>
+              <a:t>10/13/17</a:t>
             </a:fld>
             <a:endParaRPr lang="en-US"/>
           </a:p>
@@ -1446,7 +1446,7 @@
           <a:p>
             <a:fld id="{8E81F3DA-7D73-E948-AEF0-DA71157673E0}" type="datetimeFigureOut">
               <a:rPr lang="en-US" smtClean="0"/>
-              <a:t>10/11/17</a:t>
+              <a:t>10/13/17</a:t>
             </a:fld>
             <a:endParaRPr lang="en-US"/>
           </a:p>
@@ -1678,7 +1678,7 @@
           <a:p>
             <a:fld id="{8E81F3DA-7D73-E948-AEF0-DA71157673E0}" type="datetimeFigureOut">
               <a:rPr lang="en-US" smtClean="0"/>
-              <a:t>10/11/17</a:t>
+              <a:t>10/13/17</a:t>
             </a:fld>
             <a:endParaRPr lang="en-US"/>
           </a:p>
@@ -2045,7 +2045,7 @@
           <a:p>
             <a:fld id="{8E81F3DA-7D73-E948-AEF0-DA71157673E0}" type="datetimeFigureOut">
               <a:rPr lang="en-US" smtClean="0"/>
-              <a:t>10/11/17</a:t>
+              <a:t>10/13/17</a:t>
             </a:fld>
             <a:endParaRPr lang="en-US"/>
           </a:p>
@@ -2163,7 +2163,7 @@
           <a:p>
             <a:fld id="{8E81F3DA-7D73-E948-AEF0-DA71157673E0}" type="datetimeFigureOut">
               <a:rPr lang="en-US" smtClean="0"/>
-              <a:t>10/11/17</a:t>
+              <a:t>10/13/17</a:t>
             </a:fld>
             <a:endParaRPr lang="en-US"/>
           </a:p>
@@ -2258,7 +2258,7 @@
           <a:p>
             <a:fld id="{8E81F3DA-7D73-E948-AEF0-DA71157673E0}" type="datetimeFigureOut">
               <a:rPr lang="en-US" smtClean="0"/>
-              <a:t>10/11/17</a:t>
+              <a:t>10/13/17</a:t>
             </a:fld>
             <a:endParaRPr lang="en-US"/>
           </a:p>
@@ -2535,7 +2535,7 @@
           <a:p>
             <a:fld id="{8E81F3DA-7D73-E948-AEF0-DA71157673E0}" type="datetimeFigureOut">
               <a:rPr lang="en-US" smtClean="0"/>
-              <a:t>10/11/17</a:t>
+              <a:t>10/13/17</a:t>
             </a:fld>
             <a:endParaRPr lang="en-US"/>
           </a:p>
@@ -2788,7 +2788,7 @@
           <a:p>
             <a:fld id="{8E81F3DA-7D73-E948-AEF0-DA71157673E0}" type="datetimeFigureOut">
               <a:rPr lang="en-US" smtClean="0"/>
-              <a:t>10/11/17</a:t>
+              <a:t>10/13/17</a:t>
             </a:fld>
             <a:endParaRPr lang="en-US"/>
           </a:p>
@@ -3001,7 +3001,7 @@
           <a:p>
             <a:fld id="{8E81F3DA-7D73-E948-AEF0-DA71157673E0}" type="datetimeFigureOut">
               <a:rPr lang="en-US" smtClean="0"/>
-              <a:t>10/11/17</a:t>
+              <a:t>10/13/17</a:t>
             </a:fld>
             <a:endParaRPr lang="en-US"/>
           </a:p>
@@ -3426,7 +3426,7 @@
         </p:nvCxnSpPr>
         <p:spPr>
           <a:xfrm flipV="1">
-            <a:off x="5230121" y="2000657"/>
+            <a:off x="5082339" y="1991421"/>
             <a:ext cx="1650115" cy="216240"/>
           </a:xfrm>
           <a:prstGeom prst="line">
@@ -3461,7 +3461,7 @@
         </p:nvCxnSpPr>
         <p:spPr>
           <a:xfrm>
-            <a:off x="9268385" y="2730939"/>
+            <a:off x="9120603" y="2721703"/>
             <a:ext cx="470647" cy="476995"/>
           </a:xfrm>
           <a:prstGeom prst="line">
@@ -3498,7 +3498,7 @@
         </p:nvSpPr>
         <p:spPr>
           <a:xfrm>
-            <a:off x="6833737" y="486749"/>
+            <a:off x="6685955" y="477513"/>
             <a:ext cx="2756848" cy="2756848"/>
           </a:xfrm>
           <a:prstGeom prst="ellipse">
@@ -3551,7 +3551,7 @@
         </p:nvSpPr>
         <p:spPr>
           <a:xfrm>
-            <a:off x="8005745" y="1254950"/>
+            <a:off x="7857963" y="1245714"/>
             <a:ext cx="469127" cy="1271856"/>
           </a:xfrm>
           <a:prstGeom prst="rect">
@@ -3599,7 +3599,7 @@
         </p:nvSpPr>
         <p:spPr>
           <a:xfrm>
-            <a:off x="7451540" y="1619386"/>
+            <a:off x="7303758" y="1610150"/>
             <a:ext cx="469127" cy="907420"/>
           </a:xfrm>
           <a:prstGeom prst="rect">
@@ -3651,7 +3651,7 @@
         </p:nvSpPr>
         <p:spPr>
           <a:xfrm>
-            <a:off x="8559950" y="1420602"/>
+            <a:off x="8412168" y="1411366"/>
             <a:ext cx="469127" cy="1106985"/>
           </a:xfrm>
           <a:prstGeom prst="rect">
@@ -3703,7 +3703,7 @@
         </p:nvCxnSpPr>
         <p:spPr>
           <a:xfrm>
-            <a:off x="7693886" y="1420602"/>
+            <a:off x="7546104" y="1411366"/>
             <a:ext cx="0" cy="429372"/>
           </a:xfrm>
           <a:prstGeom prst="line">
@@ -3740,7 +3740,7 @@
         </p:nvCxnSpPr>
         <p:spPr>
           <a:xfrm flipH="1">
-            <a:off x="8238320" y="965389"/>
+            <a:off x="8090538" y="956153"/>
             <a:ext cx="1326" cy="579122"/>
           </a:xfrm>
           <a:prstGeom prst="line">
@@ -3777,7 +3777,7 @@
         </p:nvCxnSpPr>
         <p:spPr>
           <a:xfrm>
-            <a:off x="8794513" y="1285010"/>
+            <a:off x="8646731" y="1275774"/>
             <a:ext cx="0" cy="271184"/>
           </a:xfrm>
           <a:prstGeom prst="line">
@@ -3814,7 +3814,7 @@
         </p:nvCxnSpPr>
         <p:spPr>
           <a:xfrm>
-            <a:off x="7614372" y="1420602"/>
+            <a:off x="7466590" y="1411366"/>
             <a:ext cx="172049" cy="0"/>
           </a:xfrm>
           <a:prstGeom prst="line">
@@ -3851,7 +3851,7 @@
         </p:nvCxnSpPr>
         <p:spPr>
           <a:xfrm>
-            <a:off x="7607861" y="1849974"/>
+            <a:off x="7460079" y="1840738"/>
             <a:ext cx="172049" cy="0"/>
           </a:xfrm>
           <a:prstGeom prst="line">
@@ -3888,7 +3888,7 @@
         </p:nvCxnSpPr>
         <p:spPr>
           <a:xfrm>
-            <a:off x="8157365" y="972826"/>
+            <a:off x="8009583" y="963590"/>
             <a:ext cx="172049" cy="0"/>
           </a:xfrm>
           <a:prstGeom prst="line">
@@ -3925,7 +3925,7 @@
         </p:nvCxnSpPr>
         <p:spPr>
           <a:xfrm>
-            <a:off x="8157365" y="1544511"/>
+            <a:off x="8009583" y="1535275"/>
             <a:ext cx="172049" cy="0"/>
           </a:xfrm>
           <a:prstGeom prst="line">
@@ -3962,7 +3962,7 @@
         </p:nvCxnSpPr>
         <p:spPr>
           <a:xfrm>
-            <a:off x="8703884" y="1285010"/>
+            <a:off x="8556102" y="1275774"/>
             <a:ext cx="172049" cy="0"/>
           </a:xfrm>
           <a:prstGeom prst="line">
@@ -3999,7 +3999,7 @@
         </p:nvCxnSpPr>
         <p:spPr>
           <a:xfrm>
-            <a:off x="8703884" y="1549946"/>
+            <a:off x="8556102" y="1540710"/>
             <a:ext cx="172049" cy="0"/>
           </a:xfrm>
           <a:prstGeom prst="line">
@@ -4036,7 +4036,7 @@
         </p:nvGrpSpPr>
         <p:grpSpPr>
           <a:xfrm>
-            <a:off x="2473273" y="838473"/>
+            <a:off x="2325491" y="829237"/>
             <a:ext cx="2756848" cy="2756848"/>
             <a:chOff x="1630636" y="1109030"/>
             <a:chExt cx="2756848" cy="2756848"/>
@@ -4840,7 +4840,7 @@
         </p:nvGrpSpPr>
         <p:grpSpPr>
           <a:xfrm>
-            <a:off x="9160602" y="2948189"/>
+            <a:off x="9012820" y="2938953"/>
             <a:ext cx="2756848" cy="2756848"/>
             <a:chOff x="7849840" y="1470016"/>
             <a:chExt cx="2756848" cy="2756848"/>
@@ -5897,8 +5897,8 @@
         </p:nvSpPr>
         <p:spPr>
           <a:xfrm>
-            <a:off x="558083" y="3943516"/>
-            <a:ext cx="8315097" cy="1107996"/>
+            <a:off x="540584" y="4072900"/>
+            <a:ext cx="8377614" cy="954107"/>
           </a:xfrm>
           <a:prstGeom prst="rect">
             <a:avLst/>
@@ -5912,7 +5912,55 @@
           <a:lstStyle/>
           <a:p>
             <a:r>
-              <a:rPr lang="en-US" sz="6600" dirty="0" smtClean="0">
+              <a:rPr lang="en-US" sz="5600" dirty="0" smtClean="0">
+                <a:solidFill>
+                  <a:schemeClr val="bg1">
+                    <a:lumMod val="95000"/>
+                  </a:schemeClr>
+                </a:solidFill>
+                <a:latin typeface="Courier" charset="0"/>
+                <a:ea typeface="Courier" charset="0"/>
+                <a:cs typeface="Courier" charset="0"/>
+              </a:rPr>
+              <a:t>Health Data Science</a:t>
+            </a:r>
+            <a:endParaRPr lang="en-US" sz="5600" dirty="0">
+              <a:solidFill>
+                <a:schemeClr val="bg1">
+                  <a:lumMod val="95000"/>
+                </a:schemeClr>
+              </a:solidFill>
+              <a:latin typeface="Courier" charset="0"/>
+              <a:ea typeface="Courier" charset="0"/>
+              <a:cs typeface="Courier" charset="0"/>
+            </a:endParaRPr>
+          </a:p>
+        </p:txBody>
+      </p:sp>
+      <p:sp>
+        <p:nvSpPr>
+          <p:cNvPr id="62" name="TextBox 61"/>
+          <p:cNvSpPr txBox="1"/>
+          <p:nvPr/>
+        </p:nvSpPr>
+        <p:spPr>
+          <a:xfrm>
+            <a:off x="558083" y="4941573"/>
+            <a:ext cx="4134465" cy="584775"/>
+          </a:xfrm>
+          <a:prstGeom prst="rect">
+            <a:avLst/>
+          </a:prstGeom>
+          <a:noFill/>
+        </p:spPr>
+        <p:txBody>
+          <a:bodyPr wrap="none" rtlCol="0">
+            <a:spAutoFit/>
+          </a:bodyPr>
+          <a:lstStyle/>
+          <a:p>
+            <a:r>
+              <a:rPr lang="en-US" sz="3200" dirty="0" smtClean="0">
                 <a:solidFill>
                   <a:schemeClr val="bg1">
                     <a:lumMod val="95000"/>
@@ -5924,68 +5972,7 @@
               </a:rPr>
               <a:t>Tyson S. Barrett</a:t>
             </a:r>
-            <a:endParaRPr lang="en-US" sz="6600" dirty="0">
-              <a:solidFill>
-                <a:schemeClr val="bg1">
-                  <a:lumMod val="95000"/>
-                </a:schemeClr>
-              </a:solidFill>
-              <a:latin typeface="Courier" charset="0"/>
-              <a:ea typeface="Courier" charset="0"/>
-              <a:cs typeface="Courier" charset="0"/>
-            </a:endParaRPr>
-          </a:p>
-        </p:txBody>
-      </p:sp>
-      <p:sp>
-        <p:nvSpPr>
-          <p:cNvPr id="62" name="TextBox 61"/>
-          <p:cNvSpPr txBox="1"/>
-          <p:nvPr/>
-        </p:nvSpPr>
-        <p:spPr>
-          <a:xfrm>
-            <a:off x="558083" y="4941573"/>
-            <a:ext cx="4695516" cy="523220"/>
-          </a:xfrm>
-          <a:prstGeom prst="rect">
-            <a:avLst/>
-          </a:prstGeom>
-          <a:noFill/>
-        </p:spPr>
-        <p:txBody>
-          <a:bodyPr wrap="none" rtlCol="0">
-            <a:spAutoFit/>
-          </a:bodyPr>
-          <a:lstStyle/>
-          <a:p>
-            <a:r>
-              <a:rPr lang="en-US" sz="2800" dirty="0" smtClean="0">
-                <a:solidFill>
-                  <a:schemeClr val="bg1">
-                    <a:lumMod val="95000"/>
-                  </a:schemeClr>
-                </a:solidFill>
-                <a:latin typeface="Courier" charset="0"/>
-                <a:ea typeface="Courier" charset="0"/>
-                <a:cs typeface="Courier" charset="0"/>
-              </a:rPr>
-              <a:t>Health </a:t>
-            </a:r>
-            <a:r>
-              <a:rPr lang="en-US" sz="2800" smtClean="0">
-                <a:solidFill>
-                  <a:schemeClr val="bg1">
-                    <a:lumMod val="95000"/>
-                  </a:schemeClr>
-                </a:solidFill>
-                <a:latin typeface="Courier" charset="0"/>
-                <a:ea typeface="Courier" charset="0"/>
-                <a:cs typeface="Courier" charset="0"/>
-              </a:rPr>
-              <a:t>Data Scientist</a:t>
-            </a:r>
-            <a:endParaRPr lang="en-US" sz="2800" dirty="0">
+            <a:endParaRPr lang="en-US" sz="3200" dirty="0">
               <a:solidFill>
                 <a:schemeClr val="bg1">
                   <a:lumMod val="95000"/>
